--- a/docs/22_데이터베이스.pptx
+++ b/docs/22_데이터베이스.pptx
@@ -31,6 +31,10 @@
     <p:sldId id="281" r:id="rId25"/>
     <p:sldId id="282" r:id="rId26"/>
     <p:sldId id="283" r:id="rId27"/>
+    <p:sldId id="285" r:id="rId28"/>
+    <p:sldId id="284" r:id="rId29"/>
+    <p:sldId id="287" r:id="rId30"/>
+    <p:sldId id="286" r:id="rId31"/>
   </p:sldIdLst>
   <p:sldSz cx="12192000" cy="6858000"/>
   <p:notesSz cx="6858000" cy="9144000"/>
@@ -272,7 +276,7 @@
           <a:p>
             <a:fld id="{645AF9B0-A1C3-4B3B-9431-C05C2D471BF2}" type="datetimeFigureOut">
               <a:rPr lang="ko-KR" altLang="en-US" smtClean="0"/>
-              <a:t>2023-02-14</a:t>
+              <a:t>2023-02-20</a:t>
             </a:fld>
             <a:endParaRPr lang="ko-KR" altLang="en-US"/>
           </a:p>
@@ -442,7 +446,7 @@
           <a:p>
             <a:fld id="{645AF9B0-A1C3-4B3B-9431-C05C2D471BF2}" type="datetimeFigureOut">
               <a:rPr lang="ko-KR" altLang="en-US" smtClean="0"/>
-              <a:t>2023-02-14</a:t>
+              <a:t>2023-02-20</a:t>
             </a:fld>
             <a:endParaRPr lang="ko-KR" altLang="en-US"/>
           </a:p>
@@ -622,7 +626,7 @@
           <a:p>
             <a:fld id="{645AF9B0-A1C3-4B3B-9431-C05C2D471BF2}" type="datetimeFigureOut">
               <a:rPr lang="ko-KR" altLang="en-US" smtClean="0"/>
-              <a:t>2023-02-14</a:t>
+              <a:t>2023-02-20</a:t>
             </a:fld>
             <a:endParaRPr lang="ko-KR" altLang="en-US"/>
           </a:p>
@@ -802,7 +806,7 @@
           <a:p>
             <a:fld id="{645AF9B0-A1C3-4B3B-9431-C05C2D471BF2}" type="datetimeFigureOut">
               <a:rPr lang="ko-KR" altLang="en-US" smtClean="0"/>
-              <a:t>2023-02-14</a:t>
+              <a:t>2023-02-20</a:t>
             </a:fld>
             <a:endParaRPr lang="ko-KR" altLang="en-US"/>
           </a:p>
@@ -1052,7 +1056,7 @@
           <a:p>
             <a:fld id="{645AF9B0-A1C3-4B3B-9431-C05C2D471BF2}" type="datetimeFigureOut">
               <a:rPr lang="ko-KR" altLang="en-US" smtClean="0"/>
-              <a:t>2023-02-14</a:t>
+              <a:t>2023-02-20</a:t>
             </a:fld>
             <a:endParaRPr lang="ko-KR" altLang="en-US"/>
           </a:p>
@@ -1289,7 +1293,7 @@
           <a:p>
             <a:fld id="{645AF9B0-A1C3-4B3B-9431-C05C2D471BF2}" type="datetimeFigureOut">
               <a:rPr lang="ko-KR" altLang="en-US" smtClean="0"/>
-              <a:t>2023-02-14</a:t>
+              <a:t>2023-02-20</a:t>
             </a:fld>
             <a:endParaRPr lang="ko-KR" altLang="en-US"/>
           </a:p>
@@ -1656,7 +1660,7 @@
           <a:p>
             <a:fld id="{645AF9B0-A1C3-4B3B-9431-C05C2D471BF2}" type="datetimeFigureOut">
               <a:rPr lang="ko-KR" altLang="en-US" smtClean="0"/>
-              <a:t>2023-02-14</a:t>
+              <a:t>2023-02-20</a:t>
             </a:fld>
             <a:endParaRPr lang="ko-KR" altLang="en-US"/>
           </a:p>
@@ -1774,7 +1778,7 @@
           <a:p>
             <a:fld id="{645AF9B0-A1C3-4B3B-9431-C05C2D471BF2}" type="datetimeFigureOut">
               <a:rPr lang="ko-KR" altLang="en-US" smtClean="0"/>
-              <a:t>2023-02-14</a:t>
+              <a:t>2023-02-20</a:t>
             </a:fld>
             <a:endParaRPr lang="ko-KR" altLang="en-US"/>
           </a:p>
@@ -1869,7 +1873,7 @@
           <a:p>
             <a:fld id="{645AF9B0-A1C3-4B3B-9431-C05C2D471BF2}" type="datetimeFigureOut">
               <a:rPr lang="ko-KR" altLang="en-US" smtClean="0"/>
-              <a:t>2023-02-14</a:t>
+              <a:t>2023-02-20</a:t>
             </a:fld>
             <a:endParaRPr lang="ko-KR" altLang="en-US"/>
           </a:p>
@@ -2146,7 +2150,7 @@
           <a:p>
             <a:fld id="{645AF9B0-A1C3-4B3B-9431-C05C2D471BF2}" type="datetimeFigureOut">
               <a:rPr lang="ko-KR" altLang="en-US" smtClean="0"/>
-              <a:t>2023-02-14</a:t>
+              <a:t>2023-02-20</a:t>
             </a:fld>
             <a:endParaRPr lang="ko-KR" altLang="en-US"/>
           </a:p>
@@ -2403,7 +2407,7 @@
           <a:p>
             <a:fld id="{645AF9B0-A1C3-4B3B-9431-C05C2D471BF2}" type="datetimeFigureOut">
               <a:rPr lang="ko-KR" altLang="en-US" smtClean="0"/>
-              <a:t>2023-02-14</a:t>
+              <a:t>2023-02-20</a:t>
             </a:fld>
             <a:endParaRPr lang="ko-KR" altLang="en-US"/>
           </a:p>
@@ -2616,7 +2620,7 @@
           <a:p>
             <a:fld id="{645AF9B0-A1C3-4B3B-9431-C05C2D471BF2}" type="datetimeFigureOut">
               <a:rPr lang="ko-KR" altLang="en-US" smtClean="0"/>
-              <a:t>2023-02-14</a:t>
+              <a:t>2023-02-20</a:t>
             </a:fld>
             <a:endParaRPr lang="ko-KR" altLang="en-US"/>
           </a:p>
@@ -7570,6 +7574,771 @@
 </p:sld>
 </file>
 
+<file path=ppt/slides/slide27.xml><?xml version="1.0" encoding="utf-8"?>
+<p:sld xmlns:a="http://schemas.openxmlformats.org/drawingml/2006/main" xmlns:r="http://schemas.openxmlformats.org/officeDocument/2006/relationships" xmlns:p="http://schemas.openxmlformats.org/presentationml/2006/main">
+  <p:cSld>
+    <p:spTree>
+      <p:nvGrpSpPr>
+        <p:cNvPr id="1" name=""/>
+        <p:cNvGrpSpPr/>
+        <p:nvPr/>
+      </p:nvGrpSpPr>
+      <p:grpSpPr>
+        <a:xfrm>
+          <a:off x="0" y="0"/>
+          <a:ext cx="0" cy="0"/>
+          <a:chOff x="0" y="0"/>
+          <a:chExt cx="0" cy="0"/>
+        </a:xfrm>
+      </p:grpSpPr>
+      <p:sp>
+        <p:nvSpPr>
+          <p:cNvPr id="2" name="제목 1">
+            <a:extLst>
+              <a:ext uri="{FF2B5EF4-FFF2-40B4-BE49-F238E27FC236}">
+                <a16:creationId xmlns:a16="http://schemas.microsoft.com/office/drawing/2014/main" id="{95AE97F5-FC6F-5164-146D-780C48B7FF41}"/>
+              </a:ext>
+            </a:extLst>
+          </p:cNvPr>
+          <p:cNvSpPr>
+            <a:spLocks noGrp="1"/>
+          </p:cNvSpPr>
+          <p:nvPr>
+            <p:ph type="title"/>
+          </p:nvPr>
+        </p:nvSpPr>
+        <p:spPr/>
+        <p:txBody>
+          <a:bodyPr/>
+          <a:lstStyle/>
+          <a:p>
+            <a:r>
+              <a:rPr lang="ko-KR" altLang="en-US"/>
+              <a:t>테이블의 데이터 업데이트</a:t>
+            </a:r>
+          </a:p>
+        </p:txBody>
+      </p:sp>
+      <p:sp>
+        <p:nvSpPr>
+          <p:cNvPr id="3" name="내용 개체 틀 2">
+            <a:extLst>
+              <a:ext uri="{FF2B5EF4-FFF2-40B4-BE49-F238E27FC236}">
+                <a16:creationId xmlns:a16="http://schemas.microsoft.com/office/drawing/2014/main" id="{9724A012-87EF-C824-FA00-E722450FA2BB}"/>
+              </a:ext>
+            </a:extLst>
+          </p:cNvPr>
+          <p:cNvSpPr>
+            <a:spLocks noGrp="1"/>
+          </p:cNvSpPr>
+          <p:nvPr>
+            <p:ph idx="1"/>
+          </p:nvPr>
+        </p:nvSpPr>
+        <p:spPr/>
+        <p:txBody>
+          <a:bodyPr/>
+          <a:lstStyle/>
+          <a:p>
+            <a:r>
+              <a:rPr lang="en-US" altLang="ko-KR"/>
+              <a:t>UPDATE </a:t>
+            </a:r>
+            <a:r>
+              <a:rPr lang="ko-KR" altLang="en-US"/>
+              <a:t>문법</a:t>
+            </a:r>
+            <a:endParaRPr lang="en-US" altLang="ko-KR"/>
+          </a:p>
+          <a:p>
+            <a:endParaRPr lang="en-US" altLang="ko-KR"/>
+          </a:p>
+          <a:p>
+            <a:endParaRPr lang="en-US" altLang="ko-KR"/>
+          </a:p>
+          <a:p>
+            <a:r>
+              <a:rPr lang="en-US" altLang="ko-KR"/>
+              <a:t>set </a:t>
+            </a:r>
+            <a:r>
+              <a:rPr lang="ko-KR" altLang="en-US"/>
+              <a:t>키워드 뒤에 업데이트 할 컬럼의 이름과 값을 나열한다</a:t>
+            </a:r>
+            <a:endParaRPr lang="en-US" altLang="ko-KR"/>
+          </a:p>
+          <a:p>
+            <a:r>
+              <a:rPr lang="en-US" altLang="ko-KR"/>
+              <a:t>where </a:t>
+            </a:r>
+            <a:r>
+              <a:rPr lang="ko-KR" altLang="en-US"/>
+              <a:t>조건절이 없으면 테이블의 전체 데이터 값을 변경한다</a:t>
+            </a:r>
+            <a:endParaRPr lang="en-US" altLang="ko-KR"/>
+          </a:p>
+          <a:p>
+            <a:endParaRPr lang="ko-KR" altLang="en-US"/>
+          </a:p>
+        </p:txBody>
+      </p:sp>
+      <p:sp>
+        <p:nvSpPr>
+          <p:cNvPr id="4" name="직사각형 3">
+            <a:extLst>
+              <a:ext uri="{FF2B5EF4-FFF2-40B4-BE49-F238E27FC236}">
+                <a16:creationId xmlns:a16="http://schemas.microsoft.com/office/drawing/2014/main" id="{F49E69D6-1C4D-4887-5B21-1FC859140B64}"/>
+              </a:ext>
+            </a:extLst>
+          </p:cNvPr>
+          <p:cNvSpPr/>
+          <p:nvPr/>
+        </p:nvSpPr>
+        <p:spPr>
+          <a:xfrm>
+            <a:off x="889000" y="1565330"/>
+            <a:ext cx="10414000" cy="691037"/>
+          </a:xfrm>
+          <a:prstGeom prst="rect">
+            <a:avLst/>
+          </a:prstGeom>
+          <a:solidFill>
+            <a:schemeClr val="tx1">
+              <a:lumMod val="65000"/>
+            </a:schemeClr>
+          </a:solidFill>
+        </p:spPr>
+        <p:style>
+          <a:lnRef idx="2">
+            <a:schemeClr val="accent1">
+              <a:shade val="50000"/>
+            </a:schemeClr>
+          </a:lnRef>
+          <a:fillRef idx="1">
+            <a:schemeClr val="accent1"/>
+          </a:fillRef>
+          <a:effectRef idx="0">
+            <a:schemeClr val="accent1"/>
+          </a:effectRef>
+          <a:fontRef idx="minor">
+            <a:schemeClr val="lt1"/>
+          </a:fontRef>
+        </p:style>
+        <p:txBody>
+          <a:bodyPr rtlCol="0" anchor="ctr"/>
+          <a:lstStyle/>
+          <a:p>
+            <a:r>
+              <a:rPr lang="en-US" altLang="ko-KR">
+                <a:solidFill>
+                  <a:schemeClr val="accent1"/>
+                </a:solidFill>
+              </a:rPr>
+              <a:t>update </a:t>
+            </a:r>
+            <a:r>
+              <a:rPr lang="ko-KR" altLang="en-US">
+                <a:solidFill>
+                  <a:srgbClr val="FF0000"/>
+                </a:solidFill>
+              </a:rPr>
+              <a:t>테이블이름</a:t>
+            </a:r>
+            <a:r>
+              <a:rPr lang="ko-KR" altLang="en-US">
+                <a:solidFill>
+                  <a:schemeClr val="accent1"/>
+                </a:solidFill>
+              </a:rPr>
+              <a:t> </a:t>
+            </a:r>
+            <a:r>
+              <a:rPr lang="en-US" altLang="ko-KR">
+                <a:solidFill>
+                  <a:schemeClr val="accent1"/>
+                </a:solidFill>
+              </a:rPr>
+              <a:t>set </a:t>
+            </a:r>
+            <a:r>
+              <a:rPr lang="ko-KR" altLang="en-US">
+                <a:solidFill>
+                  <a:srgbClr val="FF0000"/>
+                </a:solidFill>
+              </a:rPr>
+              <a:t>컬럼이름</a:t>
+            </a:r>
+            <a:r>
+              <a:rPr lang="en-US" altLang="ko-KR">
+                <a:solidFill>
+                  <a:srgbClr val="FF0000"/>
+                </a:solidFill>
+              </a:rPr>
+              <a:t>1</a:t>
+            </a:r>
+            <a:r>
+              <a:rPr lang="ko-KR" altLang="en-US">
+                <a:solidFill>
+                  <a:schemeClr val="accent1"/>
+                </a:solidFill>
+              </a:rPr>
+              <a:t> </a:t>
+            </a:r>
+            <a:r>
+              <a:rPr lang="en-US" altLang="ko-KR">
+                <a:solidFill>
+                  <a:schemeClr val="accent1"/>
+                </a:solidFill>
+              </a:rPr>
+              <a:t>= </a:t>
+            </a:r>
+            <a:r>
+              <a:rPr lang="ko-KR" altLang="en-US">
+                <a:solidFill>
+                  <a:srgbClr val="FF0000"/>
+                </a:solidFill>
+              </a:rPr>
+              <a:t>데이터값</a:t>
+            </a:r>
+            <a:r>
+              <a:rPr lang="en-US" altLang="ko-KR">
+                <a:solidFill>
+                  <a:srgbClr val="FF0000"/>
+                </a:solidFill>
+              </a:rPr>
+              <a:t>1, </a:t>
+            </a:r>
+            <a:r>
+              <a:rPr lang="ko-KR" altLang="en-US">
+                <a:solidFill>
+                  <a:srgbClr val="FF0000"/>
+                </a:solidFill>
+              </a:rPr>
+              <a:t>컬럼이름</a:t>
+            </a:r>
+            <a:r>
+              <a:rPr lang="en-US" altLang="ko-KR">
+                <a:solidFill>
+                  <a:srgbClr val="FF0000"/>
+                </a:solidFill>
+              </a:rPr>
+              <a:t>2 = </a:t>
+            </a:r>
+            <a:r>
+              <a:rPr lang="ko-KR" altLang="en-US">
+                <a:solidFill>
+                  <a:srgbClr val="FF0000"/>
+                </a:solidFill>
+              </a:rPr>
+              <a:t>데이터값</a:t>
+            </a:r>
+            <a:r>
+              <a:rPr lang="en-US" altLang="ko-KR">
+                <a:solidFill>
+                  <a:srgbClr val="FF0000"/>
+                </a:solidFill>
+              </a:rPr>
+              <a:t>2, ...  </a:t>
+            </a:r>
+            <a:r>
+              <a:rPr lang="en-US" altLang="ko-KR">
+                <a:solidFill>
+                  <a:schemeClr val="accent1"/>
+                </a:solidFill>
+              </a:rPr>
+              <a:t>[WHERE </a:t>
+            </a:r>
+            <a:r>
+              <a:rPr lang="ko-KR" altLang="en-US">
+                <a:solidFill>
+                  <a:schemeClr val="accent1"/>
+                </a:solidFill>
+              </a:rPr>
+              <a:t>조건</a:t>
+            </a:r>
+            <a:r>
+              <a:rPr lang="en-US" altLang="ko-KR">
+                <a:solidFill>
+                  <a:schemeClr val="accent1"/>
+                </a:solidFill>
+              </a:rPr>
+              <a:t>]</a:t>
+            </a:r>
+            <a:endParaRPr lang="en-US" altLang="ko-KR"/>
+          </a:p>
+        </p:txBody>
+      </p:sp>
+    </p:spTree>
+    <p:extLst>
+      <p:ext uri="{BB962C8B-B14F-4D97-AF65-F5344CB8AC3E}">
+        <p14:creationId xmlns:p14="http://schemas.microsoft.com/office/powerpoint/2010/main" val="4137649665"/>
+      </p:ext>
+    </p:extLst>
+  </p:cSld>
+  <p:clrMapOvr>
+    <a:masterClrMapping/>
+  </p:clrMapOvr>
+</p:sld>
+</file>
+
+<file path=ppt/slides/slide28.xml><?xml version="1.0" encoding="utf-8"?>
+<p:sld xmlns:a="http://schemas.openxmlformats.org/drawingml/2006/main" xmlns:r="http://schemas.openxmlformats.org/officeDocument/2006/relationships" xmlns:p="http://schemas.openxmlformats.org/presentationml/2006/main">
+  <p:cSld>
+    <p:spTree>
+      <p:nvGrpSpPr>
+        <p:cNvPr id="1" name=""/>
+        <p:cNvGrpSpPr/>
+        <p:nvPr/>
+      </p:nvGrpSpPr>
+      <p:grpSpPr>
+        <a:xfrm>
+          <a:off x="0" y="0"/>
+          <a:ext cx="0" cy="0"/>
+          <a:chOff x="0" y="0"/>
+          <a:chExt cx="0" cy="0"/>
+        </a:xfrm>
+      </p:grpSpPr>
+      <p:sp>
+        <p:nvSpPr>
+          <p:cNvPr id="2" name="제목 1">
+            <a:extLst>
+              <a:ext uri="{FF2B5EF4-FFF2-40B4-BE49-F238E27FC236}">
+                <a16:creationId xmlns:a16="http://schemas.microsoft.com/office/drawing/2014/main" id="{E8BB27DD-ADC4-61F5-E7E6-F4A339593A78}"/>
+              </a:ext>
+            </a:extLst>
+          </p:cNvPr>
+          <p:cNvSpPr>
+            <a:spLocks noGrp="1"/>
+          </p:cNvSpPr>
+          <p:nvPr>
+            <p:ph type="title"/>
+          </p:nvPr>
+        </p:nvSpPr>
+        <p:spPr/>
+        <p:txBody>
+          <a:bodyPr/>
+          <a:lstStyle/>
+          <a:p>
+            <a:r>
+              <a:rPr lang="ko-KR" altLang="en-US"/>
+              <a:t>테이블의 데이터 업데이트</a:t>
+            </a:r>
+          </a:p>
+        </p:txBody>
+      </p:sp>
+      <p:sp>
+        <p:nvSpPr>
+          <p:cNvPr id="3" name="내용 개체 틀 2">
+            <a:extLst>
+              <a:ext uri="{FF2B5EF4-FFF2-40B4-BE49-F238E27FC236}">
+                <a16:creationId xmlns:a16="http://schemas.microsoft.com/office/drawing/2014/main" id="{75895521-74A7-C822-46AD-0F39EB15FA23}"/>
+              </a:ext>
+            </a:extLst>
+          </p:cNvPr>
+          <p:cNvSpPr>
+            <a:spLocks noGrp="1"/>
+          </p:cNvSpPr>
+          <p:nvPr>
+            <p:ph idx="1"/>
+          </p:nvPr>
+        </p:nvSpPr>
+        <p:spPr/>
+        <p:txBody>
+          <a:bodyPr/>
+          <a:lstStyle/>
+          <a:p>
+            <a:r>
+              <a:rPr lang="en-US" altLang="ko-KR"/>
+              <a:t>id </a:t>
+            </a:r>
+            <a:r>
+              <a:rPr lang="ko-KR" altLang="en-US"/>
+              <a:t>가 </a:t>
+            </a:r>
+            <a:r>
+              <a:rPr lang="en-US" altLang="ko-KR"/>
+              <a:t>3</a:t>
+            </a:r>
+            <a:r>
+              <a:rPr lang="ko-KR" altLang="en-US"/>
+              <a:t>인 데이터의 </a:t>
+            </a:r>
+            <a:r>
+              <a:rPr lang="en-US" altLang="ko-KR"/>
+              <a:t>roomnum</a:t>
+            </a:r>
+            <a:r>
+              <a:rPr lang="ko-KR" altLang="en-US"/>
+              <a:t>을 </a:t>
+            </a:r>
+            <a:r>
+              <a:rPr lang="en-US" altLang="ko-KR"/>
+              <a:t>505</a:t>
+            </a:r>
+            <a:r>
+              <a:rPr lang="ko-KR" altLang="en-US"/>
+              <a:t>호로 바꾸려면 다음과 같다</a:t>
+            </a:r>
+            <a:endParaRPr lang="en-US" altLang="ko-KR"/>
+          </a:p>
+          <a:p>
+            <a:r>
+              <a:rPr lang="en-US" altLang="ko-KR"/>
+              <a:t>SQL </a:t>
+            </a:r>
+            <a:r>
+              <a:rPr lang="ko-KR" altLang="en-US"/>
+              <a:t>편집기를 열어서 </a:t>
+            </a:r>
+            <a:r>
+              <a:rPr lang="en-US" altLang="ko-KR"/>
+              <a:t>( </a:t>
+            </a:r>
+            <a:r>
+              <a:rPr lang="en-US" altLang="ko-KR">
+                <a:solidFill>
+                  <a:schemeClr val="accent1"/>
+                </a:solidFill>
+              </a:rPr>
+              <a:t>ctrl + ]</a:t>
+            </a:r>
+            <a:r>
+              <a:rPr lang="en-US" altLang="ko-KR"/>
+              <a:t> )</a:t>
+            </a:r>
+            <a:r>
+              <a:rPr lang="ko-KR" altLang="en-US"/>
+              <a:t> 쿼리를 실행 </a:t>
+            </a:r>
+            <a:r>
+              <a:rPr lang="en-US" altLang="ko-KR"/>
+              <a:t>( </a:t>
+            </a:r>
+            <a:r>
+              <a:rPr lang="en-US" altLang="ko-KR">
+                <a:solidFill>
+                  <a:schemeClr val="accent1"/>
+                </a:solidFill>
+              </a:rPr>
+              <a:t>ctrl</a:t>
+            </a:r>
+            <a:r>
+              <a:rPr lang="ko-KR" altLang="en-US">
+                <a:solidFill>
+                  <a:schemeClr val="accent1"/>
+                </a:solidFill>
+              </a:rPr>
+              <a:t> </a:t>
+            </a:r>
+            <a:r>
+              <a:rPr lang="en-US" altLang="ko-KR">
+                <a:solidFill>
+                  <a:schemeClr val="accent1"/>
+                </a:solidFill>
+              </a:rPr>
+              <a:t>+</a:t>
+            </a:r>
+            <a:r>
+              <a:rPr lang="ko-KR" altLang="en-US">
+                <a:solidFill>
+                  <a:schemeClr val="accent1"/>
+                </a:solidFill>
+              </a:rPr>
+              <a:t> </a:t>
+            </a:r>
+            <a:r>
+              <a:rPr lang="en-US" altLang="ko-KR">
+                <a:solidFill>
+                  <a:schemeClr val="accent1"/>
+                </a:solidFill>
+              </a:rPr>
+              <a:t>ENTER </a:t>
+            </a:r>
+            <a:r>
+              <a:rPr lang="en-US" altLang="ko-KR"/>
+              <a:t>)</a:t>
+            </a:r>
+          </a:p>
+          <a:p>
+            <a:pPr marL="0" indent="0">
+              <a:buNone/>
+            </a:pPr>
+            <a:endParaRPr lang="ko-KR" altLang="en-US"/>
+          </a:p>
+        </p:txBody>
+      </p:sp>
+      <p:pic>
+        <p:nvPicPr>
+          <p:cNvPr id="4" name="그림 3">
+            <a:extLst>
+              <a:ext uri="{FF2B5EF4-FFF2-40B4-BE49-F238E27FC236}">
+                <a16:creationId xmlns:a16="http://schemas.microsoft.com/office/drawing/2014/main" id="{BD5C9407-11CC-338D-F2CC-16C49BF5B591}"/>
+              </a:ext>
+            </a:extLst>
+          </p:cNvPr>
+          <p:cNvPicPr>
+            <a:picLocks noChangeAspect="1"/>
+          </p:cNvPicPr>
+          <p:nvPr/>
+        </p:nvPicPr>
+        <p:blipFill>
+          <a:blip r:embed="rId2"/>
+          <a:stretch>
+            <a:fillRect/>
+          </a:stretch>
+        </p:blipFill>
+        <p:spPr>
+          <a:xfrm>
+            <a:off x="2645831" y="2138323"/>
+            <a:ext cx="6900337" cy="4007194"/>
+          </a:xfrm>
+          <a:prstGeom prst="rect">
+            <a:avLst/>
+          </a:prstGeom>
+        </p:spPr>
+      </p:pic>
+    </p:spTree>
+    <p:extLst>
+      <p:ext uri="{BB962C8B-B14F-4D97-AF65-F5344CB8AC3E}">
+        <p14:creationId xmlns:p14="http://schemas.microsoft.com/office/powerpoint/2010/main" val="3650620850"/>
+      </p:ext>
+    </p:extLst>
+  </p:cSld>
+  <p:clrMapOvr>
+    <a:masterClrMapping/>
+  </p:clrMapOvr>
+</p:sld>
+</file>
+
+<file path=ppt/slides/slide29.xml><?xml version="1.0" encoding="utf-8"?>
+<p:sld xmlns:a="http://schemas.openxmlformats.org/drawingml/2006/main" xmlns:r="http://schemas.openxmlformats.org/officeDocument/2006/relationships" xmlns:p="http://schemas.openxmlformats.org/presentationml/2006/main">
+  <p:cSld>
+    <p:spTree>
+      <p:nvGrpSpPr>
+        <p:cNvPr id="1" name=""/>
+        <p:cNvGrpSpPr/>
+        <p:nvPr/>
+      </p:nvGrpSpPr>
+      <p:grpSpPr>
+        <a:xfrm>
+          <a:off x="0" y="0"/>
+          <a:ext cx="0" cy="0"/>
+          <a:chOff x="0" y="0"/>
+          <a:chExt cx="0" cy="0"/>
+        </a:xfrm>
+      </p:grpSpPr>
+      <p:sp>
+        <p:nvSpPr>
+          <p:cNvPr id="2" name="제목 1">
+            <a:extLst>
+              <a:ext uri="{FF2B5EF4-FFF2-40B4-BE49-F238E27FC236}">
+                <a16:creationId xmlns:a16="http://schemas.microsoft.com/office/drawing/2014/main" id="{95AE97F5-FC6F-5164-146D-780C48B7FF41}"/>
+              </a:ext>
+            </a:extLst>
+          </p:cNvPr>
+          <p:cNvSpPr>
+            <a:spLocks noGrp="1"/>
+          </p:cNvSpPr>
+          <p:nvPr>
+            <p:ph type="title"/>
+          </p:nvPr>
+        </p:nvSpPr>
+        <p:spPr/>
+        <p:txBody>
+          <a:bodyPr/>
+          <a:lstStyle/>
+          <a:p>
+            <a:r>
+              <a:rPr lang="ko-KR" altLang="en-US"/>
+              <a:t>테이블의 데이터 삭제</a:t>
+            </a:r>
+          </a:p>
+        </p:txBody>
+      </p:sp>
+      <p:sp>
+        <p:nvSpPr>
+          <p:cNvPr id="3" name="내용 개체 틀 2">
+            <a:extLst>
+              <a:ext uri="{FF2B5EF4-FFF2-40B4-BE49-F238E27FC236}">
+                <a16:creationId xmlns:a16="http://schemas.microsoft.com/office/drawing/2014/main" id="{9724A012-87EF-C824-FA00-E722450FA2BB}"/>
+              </a:ext>
+            </a:extLst>
+          </p:cNvPr>
+          <p:cNvSpPr>
+            <a:spLocks noGrp="1"/>
+          </p:cNvSpPr>
+          <p:nvPr>
+            <p:ph idx="1"/>
+          </p:nvPr>
+        </p:nvSpPr>
+        <p:spPr/>
+        <p:txBody>
+          <a:bodyPr/>
+          <a:lstStyle/>
+          <a:p>
+            <a:r>
+              <a:rPr lang="en-US" altLang="ko-KR"/>
+              <a:t>DELETE </a:t>
+            </a:r>
+            <a:r>
+              <a:rPr lang="ko-KR" altLang="en-US"/>
+              <a:t>문법</a:t>
+            </a:r>
+            <a:endParaRPr lang="en-US" altLang="ko-KR"/>
+          </a:p>
+          <a:p>
+            <a:endParaRPr lang="en-US" altLang="ko-KR"/>
+          </a:p>
+          <a:p>
+            <a:endParaRPr lang="en-US" altLang="ko-KR"/>
+          </a:p>
+          <a:p>
+            <a:r>
+              <a:rPr lang="en-US" altLang="ko-KR"/>
+              <a:t>delete</a:t>
+            </a:r>
+            <a:r>
+              <a:rPr lang="ko-KR" altLang="en-US"/>
+              <a:t> </a:t>
+            </a:r>
+            <a:r>
+              <a:rPr lang="en-US" altLang="ko-KR"/>
+              <a:t>from</a:t>
+            </a:r>
+            <a:r>
+              <a:rPr lang="ko-KR" altLang="en-US"/>
+              <a:t> 뒤에 삭제할 테이블 이름을 적는다</a:t>
+            </a:r>
+            <a:endParaRPr lang="en-US" altLang="ko-KR"/>
+          </a:p>
+          <a:p>
+            <a:r>
+              <a:rPr lang="en-US" altLang="ko-KR"/>
+              <a:t>where </a:t>
+            </a:r>
+            <a:r>
+              <a:rPr lang="ko-KR" altLang="en-US"/>
+              <a:t>조건절을 달지 않으면 테이블의 모든 데이터가 삭제된다</a:t>
+            </a:r>
+            <a:endParaRPr lang="en-US" altLang="ko-KR"/>
+          </a:p>
+          <a:p>
+            <a:endParaRPr lang="ko-KR" altLang="en-US"/>
+          </a:p>
+        </p:txBody>
+      </p:sp>
+      <p:sp>
+        <p:nvSpPr>
+          <p:cNvPr id="4" name="직사각형 3">
+            <a:extLst>
+              <a:ext uri="{FF2B5EF4-FFF2-40B4-BE49-F238E27FC236}">
+                <a16:creationId xmlns:a16="http://schemas.microsoft.com/office/drawing/2014/main" id="{F49E69D6-1C4D-4887-5B21-1FC859140B64}"/>
+              </a:ext>
+            </a:extLst>
+          </p:cNvPr>
+          <p:cNvSpPr/>
+          <p:nvPr/>
+        </p:nvSpPr>
+        <p:spPr>
+          <a:xfrm>
+            <a:off x="889000" y="1565330"/>
+            <a:ext cx="10414000" cy="691037"/>
+          </a:xfrm>
+          <a:prstGeom prst="rect">
+            <a:avLst/>
+          </a:prstGeom>
+          <a:solidFill>
+            <a:schemeClr val="tx1">
+              <a:lumMod val="65000"/>
+            </a:schemeClr>
+          </a:solidFill>
+        </p:spPr>
+        <p:style>
+          <a:lnRef idx="2">
+            <a:schemeClr val="accent1">
+              <a:shade val="50000"/>
+            </a:schemeClr>
+          </a:lnRef>
+          <a:fillRef idx="1">
+            <a:schemeClr val="accent1"/>
+          </a:fillRef>
+          <a:effectRef idx="0">
+            <a:schemeClr val="accent1"/>
+          </a:effectRef>
+          <a:fontRef idx="minor">
+            <a:schemeClr val="lt1"/>
+          </a:fontRef>
+        </p:style>
+        <p:txBody>
+          <a:bodyPr rtlCol="0" anchor="ctr"/>
+          <a:lstStyle/>
+          <a:p>
+            <a:r>
+              <a:rPr lang="en-US" altLang="ko-KR">
+                <a:solidFill>
+                  <a:schemeClr val="accent1"/>
+                </a:solidFill>
+              </a:rPr>
+              <a:t>delete from </a:t>
+            </a:r>
+            <a:r>
+              <a:rPr lang="ko-KR" altLang="en-US">
+                <a:solidFill>
+                  <a:srgbClr val="FF0000"/>
+                </a:solidFill>
+              </a:rPr>
+              <a:t>테이블이름</a:t>
+            </a:r>
+            <a:r>
+              <a:rPr lang="ko-KR" altLang="en-US">
+                <a:solidFill>
+                  <a:schemeClr val="accent1"/>
+                </a:solidFill>
+              </a:rPr>
+              <a:t> </a:t>
+            </a:r>
+            <a:r>
+              <a:rPr lang="en-US" altLang="ko-KR">
+                <a:solidFill>
+                  <a:schemeClr val="accent1"/>
+                </a:solidFill>
+              </a:rPr>
+              <a:t>[WHERE </a:t>
+            </a:r>
+            <a:r>
+              <a:rPr lang="ko-KR" altLang="en-US">
+                <a:solidFill>
+                  <a:schemeClr val="accent1"/>
+                </a:solidFill>
+              </a:rPr>
+              <a:t>조건</a:t>
+            </a:r>
+            <a:r>
+              <a:rPr lang="en-US" altLang="ko-KR">
+                <a:solidFill>
+                  <a:schemeClr val="accent1"/>
+                </a:solidFill>
+              </a:rPr>
+              <a:t>]</a:t>
+            </a:r>
+            <a:endParaRPr lang="en-US" altLang="ko-KR"/>
+          </a:p>
+        </p:txBody>
+      </p:sp>
+    </p:spTree>
+    <p:extLst>
+      <p:ext uri="{BB962C8B-B14F-4D97-AF65-F5344CB8AC3E}">
+        <p14:creationId xmlns:p14="http://schemas.microsoft.com/office/powerpoint/2010/main" val="1997854696"/>
+      </p:ext>
+    </p:extLst>
+  </p:cSld>
+  <p:clrMapOvr>
+    <a:masterClrMapping/>
+  </p:clrMapOvr>
+</p:sld>
+</file>
+
 <file path=ppt/slides/slide3.xml><?xml version="1.0" encoding="utf-8"?>
 <p:sld xmlns:a="http://schemas.openxmlformats.org/drawingml/2006/main" xmlns:r="http://schemas.openxmlformats.org/officeDocument/2006/relationships" xmlns:p="http://schemas.openxmlformats.org/presentationml/2006/main">
   <p:cSld>
@@ -7731,6 +8500,224 @@
     <p:extLst>
       <p:ext uri="{BB962C8B-B14F-4D97-AF65-F5344CB8AC3E}">
         <p14:creationId xmlns:p14="http://schemas.microsoft.com/office/powerpoint/2010/main" val="1681374817"/>
+      </p:ext>
+    </p:extLst>
+  </p:cSld>
+  <p:clrMapOvr>
+    <a:masterClrMapping/>
+  </p:clrMapOvr>
+</p:sld>
+</file>
+
+<file path=ppt/slides/slide30.xml><?xml version="1.0" encoding="utf-8"?>
+<p:sld xmlns:a="http://schemas.openxmlformats.org/drawingml/2006/main" xmlns:r="http://schemas.openxmlformats.org/officeDocument/2006/relationships" xmlns:p="http://schemas.openxmlformats.org/presentationml/2006/main">
+  <p:cSld>
+    <p:spTree>
+      <p:nvGrpSpPr>
+        <p:cNvPr id="1" name=""/>
+        <p:cNvGrpSpPr/>
+        <p:nvPr/>
+      </p:nvGrpSpPr>
+      <p:grpSpPr>
+        <a:xfrm>
+          <a:off x="0" y="0"/>
+          <a:ext cx="0" cy="0"/>
+          <a:chOff x="0" y="0"/>
+          <a:chExt cx="0" cy="0"/>
+        </a:xfrm>
+      </p:grpSpPr>
+      <p:sp>
+        <p:nvSpPr>
+          <p:cNvPr id="2" name="제목 1">
+            <a:extLst>
+              <a:ext uri="{FF2B5EF4-FFF2-40B4-BE49-F238E27FC236}">
+                <a16:creationId xmlns:a16="http://schemas.microsoft.com/office/drawing/2014/main" id="{38FD8F51-72E0-3B4C-B4D8-00F5A6B42316}"/>
+              </a:ext>
+            </a:extLst>
+          </p:cNvPr>
+          <p:cNvSpPr>
+            <a:spLocks noGrp="1"/>
+          </p:cNvSpPr>
+          <p:nvPr>
+            <p:ph type="title"/>
+          </p:nvPr>
+        </p:nvSpPr>
+        <p:spPr/>
+        <p:txBody>
+          <a:bodyPr/>
+          <a:lstStyle/>
+          <a:p>
+            <a:r>
+              <a:rPr lang="ko-KR" altLang="en-US"/>
+              <a:t>테이블의 데이터 삭제</a:t>
+            </a:r>
+          </a:p>
+        </p:txBody>
+      </p:sp>
+      <p:sp>
+        <p:nvSpPr>
+          <p:cNvPr id="3" name="내용 개체 틀 2">
+            <a:extLst>
+              <a:ext uri="{FF2B5EF4-FFF2-40B4-BE49-F238E27FC236}">
+                <a16:creationId xmlns:a16="http://schemas.microsoft.com/office/drawing/2014/main" id="{93A539E7-B152-E8EA-8029-98925B1ECB14}"/>
+              </a:ext>
+            </a:extLst>
+          </p:cNvPr>
+          <p:cNvSpPr>
+            <a:spLocks noGrp="1"/>
+          </p:cNvSpPr>
+          <p:nvPr>
+            <p:ph idx="1"/>
+          </p:nvPr>
+        </p:nvSpPr>
+        <p:spPr/>
+        <p:txBody>
+          <a:bodyPr/>
+          <a:lstStyle/>
+          <a:p>
+            <a:r>
+              <a:rPr lang="en-US" altLang="ko-KR"/>
+              <a:t>id </a:t>
+            </a:r>
+            <a:r>
+              <a:rPr lang="ko-KR" altLang="en-US"/>
+              <a:t>가 </a:t>
+            </a:r>
+            <a:r>
+              <a:rPr lang="en-US" altLang="ko-KR"/>
+              <a:t>3</a:t>
+            </a:r>
+            <a:r>
+              <a:rPr lang="ko-KR" altLang="en-US"/>
+              <a:t>인 데이터의 </a:t>
+            </a:r>
+            <a:r>
+              <a:rPr lang="en-US" altLang="ko-KR"/>
+              <a:t>row </a:t>
+            </a:r>
+            <a:r>
+              <a:rPr lang="ko-KR" altLang="en-US"/>
+              <a:t>를 삭제하려면 다음과 같다</a:t>
+            </a:r>
+            <a:endParaRPr lang="en-US" altLang="ko-KR"/>
+          </a:p>
+          <a:p>
+            <a:r>
+              <a:rPr lang="en-US" altLang="ko-KR"/>
+              <a:t>SQL </a:t>
+            </a:r>
+            <a:r>
+              <a:rPr lang="ko-KR" altLang="en-US"/>
+              <a:t>편집기를 열어서 </a:t>
+            </a:r>
+            <a:r>
+              <a:rPr lang="en-US" altLang="ko-KR"/>
+              <a:t>( </a:t>
+            </a:r>
+            <a:r>
+              <a:rPr lang="en-US" altLang="ko-KR">
+                <a:solidFill>
+                  <a:schemeClr val="accent1"/>
+                </a:solidFill>
+              </a:rPr>
+              <a:t>ctrl + ]</a:t>
+            </a:r>
+            <a:r>
+              <a:rPr lang="en-US" altLang="ko-KR"/>
+              <a:t> )</a:t>
+            </a:r>
+            <a:r>
+              <a:rPr lang="ko-KR" altLang="en-US"/>
+              <a:t> 쿼리를 실행 </a:t>
+            </a:r>
+            <a:r>
+              <a:rPr lang="en-US" altLang="ko-KR"/>
+              <a:t>( </a:t>
+            </a:r>
+            <a:r>
+              <a:rPr lang="en-US" altLang="ko-KR">
+                <a:solidFill>
+                  <a:schemeClr val="accent1"/>
+                </a:solidFill>
+              </a:rPr>
+              <a:t>ctrl</a:t>
+            </a:r>
+            <a:r>
+              <a:rPr lang="ko-KR" altLang="en-US">
+                <a:solidFill>
+                  <a:schemeClr val="accent1"/>
+                </a:solidFill>
+              </a:rPr>
+              <a:t> </a:t>
+            </a:r>
+            <a:r>
+              <a:rPr lang="en-US" altLang="ko-KR">
+                <a:solidFill>
+                  <a:schemeClr val="accent1"/>
+                </a:solidFill>
+              </a:rPr>
+              <a:t>+</a:t>
+            </a:r>
+            <a:r>
+              <a:rPr lang="ko-KR" altLang="en-US">
+                <a:solidFill>
+                  <a:schemeClr val="accent1"/>
+                </a:solidFill>
+              </a:rPr>
+              <a:t> </a:t>
+            </a:r>
+            <a:r>
+              <a:rPr lang="en-US" altLang="ko-KR">
+                <a:solidFill>
+                  <a:schemeClr val="accent1"/>
+                </a:solidFill>
+              </a:rPr>
+              <a:t>ENTER </a:t>
+            </a:r>
+            <a:r>
+              <a:rPr lang="en-US" altLang="ko-KR"/>
+              <a:t>)</a:t>
+            </a:r>
+          </a:p>
+          <a:p>
+            <a:endParaRPr lang="ko-KR" altLang="en-US"/>
+          </a:p>
+        </p:txBody>
+      </p:sp>
+      <p:pic>
+        <p:nvPicPr>
+          <p:cNvPr id="4" name="그림 3">
+            <a:extLst>
+              <a:ext uri="{FF2B5EF4-FFF2-40B4-BE49-F238E27FC236}">
+                <a16:creationId xmlns:a16="http://schemas.microsoft.com/office/drawing/2014/main" id="{9D0B1514-EADC-DC31-4598-3BAE58D9D662}"/>
+              </a:ext>
+            </a:extLst>
+          </p:cNvPr>
+          <p:cNvPicPr>
+            <a:picLocks noChangeAspect="1"/>
+          </p:cNvPicPr>
+          <p:nvPr/>
+        </p:nvPicPr>
+        <p:blipFill>
+          <a:blip r:embed="rId2"/>
+          <a:stretch>
+            <a:fillRect/>
+          </a:stretch>
+        </p:blipFill>
+        <p:spPr>
+          <a:xfrm>
+            <a:off x="2645831" y="2138870"/>
+            <a:ext cx="6900337" cy="4006647"/>
+          </a:xfrm>
+          <a:prstGeom prst="rect">
+            <a:avLst/>
+          </a:prstGeom>
+        </p:spPr>
+      </p:pic>
+    </p:spTree>
+    <p:extLst>
+      <p:ext uri="{BB962C8B-B14F-4D97-AF65-F5344CB8AC3E}">
+        <p14:creationId xmlns:p14="http://schemas.microsoft.com/office/powerpoint/2010/main" val="2649516150"/>
       </p:ext>
     </p:extLst>
   </p:cSld>
